--- a/Artefatos/20. Modelo Conceitual de Negócio.pptx
+++ b/Artefatos/20. Modelo Conceitual de Negócio.pptx
@@ -104,6 +104,11 @@
       </a:defRPr>
     </a:lvl9pPr>
   </p:defaultTextStyle>
+  <p:extLst>
+    <p:ext uri="{EFAFB233-063F-42B5-8137-9DF3F51BA10A}">
+      <p15:sldGuideLst xmlns:p15="http://schemas.microsoft.com/office/powerpoint/2012/main"/>
+    </p:ext>
+  </p:extLst>
 </p:presentation>
 </file>
 
@@ -254,7 +259,7 @@
           <a:p>
             <a:fld id="{28CF5B58-D839-4F29-8B36-4C86ABA1E1FF}" type="datetimeFigureOut">
               <a:rPr lang="pt-BR" smtClean="0"/>
-              <a:t>21/09/2020</a:t>
+              <a:t>23/09/2020</a:t>
             </a:fld>
             <a:endParaRPr lang="pt-BR"/>
           </a:p>
@@ -452,7 +457,7 @@
           <a:p>
             <a:fld id="{28CF5B58-D839-4F29-8B36-4C86ABA1E1FF}" type="datetimeFigureOut">
               <a:rPr lang="pt-BR" smtClean="0"/>
-              <a:t>21/09/2020</a:t>
+              <a:t>23/09/2020</a:t>
             </a:fld>
             <a:endParaRPr lang="pt-BR"/>
           </a:p>
@@ -660,7 +665,7 @@
           <a:p>
             <a:fld id="{28CF5B58-D839-4F29-8B36-4C86ABA1E1FF}" type="datetimeFigureOut">
               <a:rPr lang="pt-BR" smtClean="0"/>
-              <a:t>21/09/2020</a:t>
+              <a:t>23/09/2020</a:t>
             </a:fld>
             <a:endParaRPr lang="pt-BR"/>
           </a:p>
@@ -858,7 +863,7 @@
           <a:p>
             <a:fld id="{28CF5B58-D839-4F29-8B36-4C86ABA1E1FF}" type="datetimeFigureOut">
               <a:rPr lang="pt-BR" smtClean="0"/>
-              <a:t>21/09/2020</a:t>
+              <a:t>23/09/2020</a:t>
             </a:fld>
             <a:endParaRPr lang="pt-BR"/>
           </a:p>
@@ -1133,7 +1138,7 @@
           <a:p>
             <a:fld id="{28CF5B58-D839-4F29-8B36-4C86ABA1E1FF}" type="datetimeFigureOut">
               <a:rPr lang="pt-BR" smtClean="0"/>
-              <a:t>21/09/2020</a:t>
+              <a:t>23/09/2020</a:t>
             </a:fld>
             <a:endParaRPr lang="pt-BR"/>
           </a:p>
@@ -1398,7 +1403,7 @@
           <a:p>
             <a:fld id="{28CF5B58-D839-4F29-8B36-4C86ABA1E1FF}" type="datetimeFigureOut">
               <a:rPr lang="pt-BR" smtClean="0"/>
-              <a:t>21/09/2020</a:t>
+              <a:t>23/09/2020</a:t>
             </a:fld>
             <a:endParaRPr lang="pt-BR"/>
           </a:p>
@@ -1810,7 +1815,7 @@
           <a:p>
             <a:fld id="{28CF5B58-D839-4F29-8B36-4C86ABA1E1FF}" type="datetimeFigureOut">
               <a:rPr lang="pt-BR" smtClean="0"/>
-              <a:t>21/09/2020</a:t>
+              <a:t>23/09/2020</a:t>
             </a:fld>
             <a:endParaRPr lang="pt-BR"/>
           </a:p>
@@ -1951,7 +1956,7 @@
           <a:p>
             <a:fld id="{28CF5B58-D839-4F29-8B36-4C86ABA1E1FF}" type="datetimeFigureOut">
               <a:rPr lang="pt-BR" smtClean="0"/>
-              <a:t>21/09/2020</a:t>
+              <a:t>23/09/2020</a:t>
             </a:fld>
             <a:endParaRPr lang="pt-BR"/>
           </a:p>
@@ -2064,7 +2069,7 @@
           <a:p>
             <a:fld id="{28CF5B58-D839-4F29-8B36-4C86ABA1E1FF}" type="datetimeFigureOut">
               <a:rPr lang="pt-BR" smtClean="0"/>
-              <a:t>21/09/2020</a:t>
+              <a:t>23/09/2020</a:t>
             </a:fld>
             <a:endParaRPr lang="pt-BR"/>
           </a:p>
@@ -2375,7 +2380,7 @@
           <a:p>
             <a:fld id="{28CF5B58-D839-4F29-8B36-4C86ABA1E1FF}" type="datetimeFigureOut">
               <a:rPr lang="pt-BR" smtClean="0"/>
-              <a:t>21/09/2020</a:t>
+              <a:t>23/09/2020</a:t>
             </a:fld>
             <a:endParaRPr lang="pt-BR"/>
           </a:p>
@@ -2663,7 +2668,7 @@
           <a:p>
             <a:fld id="{28CF5B58-D839-4F29-8B36-4C86ABA1E1FF}" type="datetimeFigureOut">
               <a:rPr lang="pt-BR" smtClean="0"/>
-              <a:t>21/09/2020</a:t>
+              <a:t>23/09/2020</a:t>
             </a:fld>
             <a:endParaRPr lang="pt-BR"/>
           </a:p>
@@ -2904,7 +2909,7 @@
           <a:p>
             <a:fld id="{28CF5B58-D839-4F29-8B36-4C86ABA1E1FF}" type="datetimeFigureOut">
               <a:rPr lang="pt-BR" smtClean="0"/>
-              <a:t>21/09/2020</a:t>
+              <a:t>23/09/2020</a:t>
             </a:fld>
             <a:endParaRPr lang="pt-BR"/>
           </a:p>
@@ -3389,10 +3394,10 @@
       </p:sp>
       <p:pic>
         <p:nvPicPr>
-          <p:cNvPr id="6" name="Imagem 5" descr="Tela de celular com texto preto sobre fundo branco&#10;&#10;Descrição gerada automaticamente">
-            <a:extLst>
-              <a:ext uri="{FF2B5EF4-FFF2-40B4-BE49-F238E27FC236}">
-                <a16:creationId xmlns:a16="http://schemas.microsoft.com/office/drawing/2014/main" id="{7CF008FD-FC26-4C12-BAA6-93C6FC781356}"/>
+          <p:cNvPr id="3" name="Imagem 2" descr="Tela de computador com texto preto sobre fundo branco&#10;&#10;Descrição gerada automaticamente">
+            <a:extLst>
+              <a:ext uri="{FF2B5EF4-FFF2-40B4-BE49-F238E27FC236}">
+                <a16:creationId xmlns:a16="http://schemas.microsoft.com/office/drawing/2014/main" id="{E758B87F-9A63-48A2-A0F7-4FB7E3F5B766}"/>
               </a:ext>
             </a:extLst>
           </p:cNvPr>
@@ -3415,8 +3420,8 @@
         </p:blipFill>
         <p:spPr>
           <a:xfrm>
-            <a:off x="686217" y="1810628"/>
-            <a:ext cx="10819565" cy="4365089"/>
+            <a:off x="844062" y="1743075"/>
+            <a:ext cx="10576231" cy="4338338"/>
           </a:xfrm>
           <a:prstGeom prst="rect">
             <a:avLst/>

--- a/Artefatos/20. Modelo Conceitual de Negócio.pptx
+++ b/Artefatos/20. Modelo Conceitual de Negócio.pptx
@@ -6,6 +6,7 @@
   </p:sldMasterIdLst>
   <p:sldIdLst>
     <p:sldId id="256" r:id="rId2"/>
+    <p:sldId id="257" r:id="rId3"/>
   </p:sldIdLst>
   <p:sldSz cx="12192000" cy="6858000"/>
   <p:notesSz cx="6858000" cy="9144000"/>
@@ -259,7 +260,7 @@
           <a:p>
             <a:fld id="{28CF5B58-D839-4F29-8B36-4C86ABA1E1FF}" type="datetimeFigureOut">
               <a:rPr lang="pt-BR" smtClean="0"/>
-              <a:t>23/09/2020</a:t>
+              <a:t>15/10/2020</a:t>
             </a:fld>
             <a:endParaRPr lang="pt-BR"/>
           </a:p>
@@ -457,7 +458,7 @@
           <a:p>
             <a:fld id="{28CF5B58-D839-4F29-8B36-4C86ABA1E1FF}" type="datetimeFigureOut">
               <a:rPr lang="pt-BR" smtClean="0"/>
-              <a:t>23/09/2020</a:t>
+              <a:t>15/10/2020</a:t>
             </a:fld>
             <a:endParaRPr lang="pt-BR"/>
           </a:p>
@@ -665,7 +666,7 @@
           <a:p>
             <a:fld id="{28CF5B58-D839-4F29-8B36-4C86ABA1E1FF}" type="datetimeFigureOut">
               <a:rPr lang="pt-BR" smtClean="0"/>
-              <a:t>23/09/2020</a:t>
+              <a:t>15/10/2020</a:t>
             </a:fld>
             <a:endParaRPr lang="pt-BR"/>
           </a:p>
@@ -863,7 +864,7 @@
           <a:p>
             <a:fld id="{28CF5B58-D839-4F29-8B36-4C86ABA1E1FF}" type="datetimeFigureOut">
               <a:rPr lang="pt-BR" smtClean="0"/>
-              <a:t>23/09/2020</a:t>
+              <a:t>15/10/2020</a:t>
             </a:fld>
             <a:endParaRPr lang="pt-BR"/>
           </a:p>
@@ -1138,7 +1139,7 @@
           <a:p>
             <a:fld id="{28CF5B58-D839-4F29-8B36-4C86ABA1E1FF}" type="datetimeFigureOut">
               <a:rPr lang="pt-BR" smtClean="0"/>
-              <a:t>23/09/2020</a:t>
+              <a:t>15/10/2020</a:t>
             </a:fld>
             <a:endParaRPr lang="pt-BR"/>
           </a:p>
@@ -1403,7 +1404,7 @@
           <a:p>
             <a:fld id="{28CF5B58-D839-4F29-8B36-4C86ABA1E1FF}" type="datetimeFigureOut">
               <a:rPr lang="pt-BR" smtClean="0"/>
-              <a:t>23/09/2020</a:t>
+              <a:t>15/10/2020</a:t>
             </a:fld>
             <a:endParaRPr lang="pt-BR"/>
           </a:p>
@@ -1815,7 +1816,7 @@
           <a:p>
             <a:fld id="{28CF5B58-D839-4F29-8B36-4C86ABA1E1FF}" type="datetimeFigureOut">
               <a:rPr lang="pt-BR" smtClean="0"/>
-              <a:t>23/09/2020</a:t>
+              <a:t>15/10/2020</a:t>
             </a:fld>
             <a:endParaRPr lang="pt-BR"/>
           </a:p>
@@ -1956,7 +1957,7 @@
           <a:p>
             <a:fld id="{28CF5B58-D839-4F29-8B36-4C86ABA1E1FF}" type="datetimeFigureOut">
               <a:rPr lang="pt-BR" smtClean="0"/>
-              <a:t>23/09/2020</a:t>
+              <a:t>15/10/2020</a:t>
             </a:fld>
             <a:endParaRPr lang="pt-BR"/>
           </a:p>
@@ -2069,7 +2070,7 @@
           <a:p>
             <a:fld id="{28CF5B58-D839-4F29-8B36-4C86ABA1E1FF}" type="datetimeFigureOut">
               <a:rPr lang="pt-BR" smtClean="0"/>
-              <a:t>23/09/2020</a:t>
+              <a:t>15/10/2020</a:t>
             </a:fld>
             <a:endParaRPr lang="pt-BR"/>
           </a:p>
@@ -2380,7 +2381,7 @@
           <a:p>
             <a:fld id="{28CF5B58-D839-4F29-8B36-4C86ABA1E1FF}" type="datetimeFigureOut">
               <a:rPr lang="pt-BR" smtClean="0"/>
-              <a:t>23/09/2020</a:t>
+              <a:t>15/10/2020</a:t>
             </a:fld>
             <a:endParaRPr lang="pt-BR"/>
           </a:p>
@@ -2668,7 +2669,7 @@
           <a:p>
             <a:fld id="{28CF5B58-D839-4F29-8B36-4C86ABA1E1FF}" type="datetimeFigureOut">
               <a:rPr lang="pt-BR" smtClean="0"/>
-              <a:t>23/09/2020</a:t>
+              <a:t>15/10/2020</a:t>
             </a:fld>
             <a:endParaRPr lang="pt-BR"/>
           </a:p>
@@ -2909,7 +2910,7 @@
           <a:p>
             <a:fld id="{28CF5B58-D839-4F29-8B36-4C86ABA1E1FF}" type="datetimeFigureOut">
               <a:rPr lang="pt-BR" smtClean="0"/>
-              <a:t>23/09/2020</a:t>
+              <a:t>15/10/2020</a:t>
             </a:fld>
             <a:endParaRPr lang="pt-BR"/>
           </a:p>
@@ -3312,6 +3313,14 @@
 <file path=ppt/slides/slide1.xml><?xml version="1.0" encoding="utf-8"?>
 <p:sld xmlns:a="http://schemas.openxmlformats.org/drawingml/2006/main" xmlns:r="http://schemas.openxmlformats.org/officeDocument/2006/relationships" xmlns:p="http://schemas.openxmlformats.org/presentationml/2006/main">
   <p:cSld>
+    <p:bg>
+      <p:bgPr>
+        <a:solidFill>
+          <a:schemeClr val="bg1"/>
+        </a:solidFill>
+        <a:effectLst/>
+      </p:bgPr>
+    </p:bg>
     <p:spTree>
       <p:nvGrpSpPr>
         <p:cNvPr id="1" name=""/>
@@ -3328,10 +3337,10 @@
       </p:grpSpPr>
       <p:sp>
         <p:nvSpPr>
-          <p:cNvPr id="4" name="Retângulo 3">
-            <a:extLst>
-              <a:ext uri="{FF2B5EF4-FFF2-40B4-BE49-F238E27FC236}">
-                <a16:creationId xmlns:a16="http://schemas.microsoft.com/office/drawing/2014/main" id="{822443B2-B355-4058-ADD0-7C42D978E768}"/>
+          <p:cNvPr id="20" name="Retângulo: Cantos Arredondados 19">
+            <a:extLst>
+              <a:ext uri="{FF2B5EF4-FFF2-40B4-BE49-F238E27FC236}">
+                <a16:creationId xmlns:a16="http://schemas.microsoft.com/office/drawing/2014/main" id="{D37FB403-BCEC-4FFA-881F-49DA1A064B74}"/>
               </a:ext>
             </a:extLst>
           </p:cNvPr>
@@ -3340,16 +3349,170 @@
         </p:nvSpPr>
         <p:spPr>
           <a:xfrm>
-            <a:off x="993912" y="423062"/>
-            <a:ext cx="8150087" cy="897875"/>
+            <a:off x="568223" y="1299675"/>
+            <a:ext cx="5330825" cy="472854"/>
+          </a:xfrm>
+          <a:prstGeom prst="roundRect">
+            <a:avLst/>
+          </a:prstGeom>
+          <a:solidFill>
+            <a:schemeClr val="accent4">
+              <a:lumMod val="40000"/>
+              <a:lumOff val="60000"/>
+              <a:alpha val="96000"/>
+            </a:schemeClr>
+          </a:solidFill>
+          <a:ln>
+            <a:noFill/>
+          </a:ln>
+          <a:effectLst>
+            <a:outerShdw blurRad="44450" dist="27940" dir="5400000" algn="ctr">
+              <a:srgbClr val="000000">
+                <a:alpha val="32000"/>
+              </a:srgbClr>
+            </a:outerShdw>
+          </a:effectLst>
+          <a:scene3d>
+            <a:camera prst="orthographicFront">
+              <a:rot lat="0" lon="0" rev="0"/>
+            </a:camera>
+            <a:lightRig rig="balanced" dir="t">
+              <a:rot lat="0" lon="0" rev="8700000"/>
+            </a:lightRig>
+          </a:scene3d>
+          <a:sp3d>
+            <a:bevelT w="190500" h="38100"/>
+          </a:sp3d>
+        </p:spPr>
+        <p:style>
+          <a:lnRef idx="2">
+            <a:schemeClr val="accent1">
+              <a:shade val="50000"/>
+            </a:schemeClr>
+          </a:lnRef>
+          <a:fillRef idx="1">
+            <a:schemeClr val="accent1"/>
+          </a:fillRef>
+          <a:effectRef idx="0">
+            <a:schemeClr val="accent1"/>
+          </a:effectRef>
+          <a:fontRef idx="minor">
+            <a:schemeClr val="lt1"/>
+          </a:fontRef>
+        </p:style>
+        <p:txBody>
+          <a:bodyPr rot="0" spcFirstLastPara="0" vert="horz" wrap="square" lIns="91440" tIns="45720" rIns="91440" bIns="45720" numCol="1" spcCol="0" rtlCol="0" fromWordArt="0" anchor="ctr" anchorCtr="0" forceAA="0" compatLnSpc="1">
+            <a:prstTxWarp prst="textNoShape">
+              <a:avLst/>
+            </a:prstTxWarp>
+            <a:noAutofit/>
+          </a:bodyPr>
+          <a:lstStyle/>
+          <a:p>
+            <a:endParaRPr lang="pt-BR"/>
+          </a:p>
+        </p:txBody>
+      </p:sp>
+      <p:sp>
+        <p:nvSpPr>
+          <p:cNvPr id="17" name="Retângulo: Cantos Arredondados 16">
+            <a:extLst>
+              <a:ext uri="{FF2B5EF4-FFF2-40B4-BE49-F238E27FC236}">
+                <a16:creationId xmlns:a16="http://schemas.microsoft.com/office/drawing/2014/main" id="{357BEDDA-F6E2-4ED2-9223-3480700D77C5}"/>
+              </a:ext>
+            </a:extLst>
+          </p:cNvPr>
+          <p:cNvSpPr/>
+          <p:nvPr/>
+        </p:nvSpPr>
+        <p:spPr>
+          <a:xfrm>
+            <a:off x="562706" y="591478"/>
+            <a:ext cx="10862531" cy="643597"/>
+          </a:xfrm>
+          <a:prstGeom prst="roundRect">
+            <a:avLst/>
+          </a:prstGeom>
+          <a:solidFill>
+            <a:schemeClr val="accent1">
+              <a:alpha val="42000"/>
+            </a:schemeClr>
+          </a:solidFill>
+          <a:ln>
+            <a:noFill/>
+          </a:ln>
+          <a:effectLst>
+            <a:outerShdw blurRad="44450" dist="27940" dir="5400000" algn="ctr">
+              <a:srgbClr val="000000">
+                <a:alpha val="32000"/>
+              </a:srgbClr>
+            </a:outerShdw>
+          </a:effectLst>
+          <a:scene3d>
+            <a:camera prst="orthographicFront">
+              <a:rot lat="0" lon="0" rev="0"/>
+            </a:camera>
+            <a:lightRig rig="balanced" dir="t">
+              <a:rot lat="0" lon="0" rev="8700000"/>
+            </a:lightRig>
+          </a:scene3d>
+          <a:sp3d>
+            <a:bevelT w="190500" h="38100"/>
+          </a:sp3d>
+        </p:spPr>
+        <p:style>
+          <a:lnRef idx="2">
+            <a:schemeClr val="accent1">
+              <a:shade val="50000"/>
+            </a:schemeClr>
+          </a:lnRef>
+          <a:fillRef idx="1">
+            <a:schemeClr val="accent1"/>
+          </a:fillRef>
+          <a:effectRef idx="0">
+            <a:schemeClr val="accent1"/>
+          </a:effectRef>
+          <a:fontRef idx="minor">
+            <a:schemeClr val="lt1"/>
+          </a:fontRef>
+        </p:style>
+        <p:txBody>
+          <a:bodyPr rot="0" spcFirstLastPara="0" vert="horz" wrap="square" lIns="91440" tIns="45720" rIns="91440" bIns="45720" numCol="1" spcCol="0" rtlCol="0" fromWordArt="0" anchor="ctr" anchorCtr="0" forceAA="0" compatLnSpc="1">
+            <a:prstTxWarp prst="textNoShape">
+              <a:avLst/>
+            </a:prstTxWarp>
+            <a:noAutofit/>
+          </a:bodyPr>
+          <a:lstStyle/>
+          <a:p>
+            <a:endParaRPr lang="pt-BR" dirty="0"/>
+          </a:p>
+        </p:txBody>
+      </p:sp>
+      <p:sp>
+        <p:nvSpPr>
+          <p:cNvPr id="4" name="Retângulo 3">
+            <a:extLst>
+              <a:ext uri="{FF2B5EF4-FFF2-40B4-BE49-F238E27FC236}">
+                <a16:creationId xmlns:a16="http://schemas.microsoft.com/office/drawing/2014/main" id="{822443B2-B355-4058-ADD0-7C42D978E768}"/>
+              </a:ext>
+            </a:extLst>
+          </p:cNvPr>
+          <p:cNvSpPr/>
+          <p:nvPr/>
+        </p:nvSpPr>
+        <p:spPr>
+          <a:xfrm>
+            <a:off x="764381" y="751463"/>
+            <a:ext cx="10660063" cy="1394861"/>
           </a:xfrm>
           <a:prstGeom prst="rect">
             <a:avLst/>
           </a:prstGeom>
         </p:spPr>
         <p:txBody>
-          <a:bodyPr wrap="square">
-            <a:spAutoFit/>
+          <a:bodyPr wrap="square" anchor="t">
+            <a:normAutofit/>
           </a:bodyPr>
           <a:lstStyle/>
           <a:p>
@@ -3362,14 +3525,14 @@
               </a:spcAft>
             </a:pPr>
             <a:r>
-              <a:rPr lang="pt-BR" sz="2400" b="1" dirty="0">
+              <a:rPr lang="pt-BR" sz="2800" b="1" dirty="0">
                 <a:latin typeface="Times New Roman" panose="02020603050405020304" pitchFamily="18" charset="0"/>
                 <a:ea typeface="Calibri" panose="020F0502020204030204" pitchFamily="34" charset="0"/>
                 <a:cs typeface="Times New Roman" panose="02020603050405020304" pitchFamily="18" charset="0"/>
               </a:rPr>
               <a:t>Modelo Conceitual de Negócio (Um para cada Nó)</a:t>
             </a:r>
-            <a:endParaRPr lang="pt-BR" sz="1600" dirty="0">
+            <a:endParaRPr lang="pt-BR" sz="2800" dirty="0">
               <a:effectLst/>
               <a:latin typeface="Calibri" panose="020F0502020204030204" pitchFamily="34" charset="0"/>
               <a:ea typeface="Calibri" panose="020F0502020204030204" pitchFamily="34" charset="0"/>
@@ -3378,26 +3541,23 @@
           </a:p>
           <a:p>
             <a:r>
-              <a:rPr lang="pt-BR" sz="2000" b="1" dirty="0">
-                <a:solidFill>
-                  <a:srgbClr val="767171"/>
-                </a:solidFill>
+              <a:rPr lang="pt-BR" sz="2400" b="1" dirty="0">
                 <a:effectLst/>
                 <a:latin typeface="Times New Roman" panose="02020603050405020304" pitchFamily="18" charset="0"/>
                 <a:ea typeface="Calibri" panose="020F0502020204030204" pitchFamily="34" charset="0"/>
               </a:rPr>
               <a:t>Capacidade Realizar Matrícula</a:t>
             </a:r>
-            <a:endParaRPr lang="pt-BR" sz="2400" dirty="0"/>
+            <a:endParaRPr lang="pt-BR" sz="2800" dirty="0"/>
           </a:p>
         </p:txBody>
       </p:sp>
       <p:pic>
         <p:nvPicPr>
-          <p:cNvPr id="3" name="Imagem 2" descr="Tela de computador com texto preto sobre fundo branco&#10;&#10;Descrição gerada automaticamente">
-            <a:extLst>
-              <a:ext uri="{FF2B5EF4-FFF2-40B4-BE49-F238E27FC236}">
-                <a16:creationId xmlns:a16="http://schemas.microsoft.com/office/drawing/2014/main" id="{E758B87F-9A63-48A2-A0F7-4FB7E3F5B766}"/>
+          <p:cNvPr id="7" name="Imagem 6" descr="Interface gráfica do usuário, Aplicativo&#10;&#10;Descrição gerada automaticamente">
+            <a:extLst>
+              <a:ext uri="{FF2B5EF4-FFF2-40B4-BE49-F238E27FC236}">
+                <a16:creationId xmlns:a16="http://schemas.microsoft.com/office/drawing/2014/main" id="{ADF0B2B6-E6A1-4E3E-B4DD-A9075DB83501}"/>
               </a:ext>
             </a:extLst>
           </p:cNvPr>
@@ -3420,8 +3580,8 @@
         </p:blipFill>
         <p:spPr>
           <a:xfrm>
-            <a:off x="844062" y="1743075"/>
-            <a:ext cx="10576231" cy="4338338"/>
+            <a:off x="663939" y="2146324"/>
+            <a:ext cx="10660063" cy="4352552"/>
           </a:xfrm>
           <a:prstGeom prst="rect">
             <a:avLst/>
@@ -3432,6 +3592,187 @@
     <p:extLst>
       <p:ext uri="{BB962C8B-B14F-4D97-AF65-F5344CB8AC3E}">
         <p14:creationId xmlns:p14="http://schemas.microsoft.com/office/powerpoint/2010/main" val="2418767986"/>
+      </p:ext>
+    </p:extLst>
+  </p:cSld>
+  <p:clrMapOvr>
+    <a:masterClrMapping/>
+  </p:clrMapOvr>
+</p:sld>
+</file>
+
+<file path=ppt/slides/slide2.xml><?xml version="1.0" encoding="utf-8"?>
+<p:sld xmlns:a="http://schemas.openxmlformats.org/drawingml/2006/main" xmlns:r="http://schemas.openxmlformats.org/officeDocument/2006/relationships" xmlns:p="http://schemas.openxmlformats.org/presentationml/2006/main">
+  <p:cSld>
+    <p:spTree>
+      <p:nvGrpSpPr>
+        <p:cNvPr id="1" name=""/>
+        <p:cNvGrpSpPr/>
+        <p:nvPr/>
+      </p:nvGrpSpPr>
+      <p:grpSpPr>
+        <a:xfrm>
+          <a:off x="0" y="0"/>
+          <a:ext cx="0" cy="0"/>
+          <a:chOff x="0" y="0"/>
+          <a:chExt cx="0" cy="0"/>
+        </a:xfrm>
+      </p:grpSpPr>
+      <p:sp>
+        <p:nvSpPr>
+          <p:cNvPr id="5" name="Retângulo: Cantos Arredondados 4">
+            <a:extLst>
+              <a:ext uri="{FF2B5EF4-FFF2-40B4-BE49-F238E27FC236}">
+                <a16:creationId xmlns:a16="http://schemas.microsoft.com/office/drawing/2014/main" id="{971DD58F-E68E-46A3-85E4-E3AD253F904F}"/>
+              </a:ext>
+            </a:extLst>
+          </p:cNvPr>
+          <p:cNvSpPr/>
+          <p:nvPr/>
+        </p:nvSpPr>
+        <p:spPr>
+          <a:xfrm>
+            <a:off x="708773" y="429776"/>
+            <a:ext cx="5044911" cy="516915"/>
+          </a:xfrm>
+          <a:prstGeom prst="roundRect">
+            <a:avLst/>
+          </a:prstGeom>
+          <a:solidFill>
+            <a:schemeClr val="accent4">
+              <a:lumMod val="40000"/>
+              <a:lumOff val="60000"/>
+            </a:schemeClr>
+          </a:solidFill>
+          <a:ln>
+            <a:noFill/>
+          </a:ln>
+          <a:effectLst>
+            <a:outerShdw blurRad="44450" dist="27940" dir="5400000" algn="ctr">
+              <a:srgbClr val="000000">
+                <a:alpha val="32000"/>
+              </a:srgbClr>
+            </a:outerShdw>
+          </a:effectLst>
+          <a:scene3d>
+            <a:camera prst="orthographicFront">
+              <a:rot lat="0" lon="0" rev="0"/>
+            </a:camera>
+            <a:lightRig rig="balanced" dir="t">
+              <a:rot lat="0" lon="0" rev="8700000"/>
+            </a:lightRig>
+          </a:scene3d>
+          <a:sp3d>
+            <a:bevelT w="190500" h="38100"/>
+          </a:sp3d>
+        </p:spPr>
+        <p:style>
+          <a:lnRef idx="2">
+            <a:schemeClr val="accent1">
+              <a:shade val="50000"/>
+            </a:schemeClr>
+          </a:lnRef>
+          <a:fillRef idx="1">
+            <a:schemeClr val="accent1"/>
+          </a:fillRef>
+          <a:effectRef idx="0">
+            <a:schemeClr val="accent1"/>
+          </a:effectRef>
+          <a:fontRef idx="minor">
+            <a:schemeClr val="lt1"/>
+          </a:fontRef>
+        </p:style>
+        <p:txBody>
+          <a:bodyPr rot="0" spcFirstLastPara="0" vert="horz" wrap="square" lIns="91440" tIns="45720" rIns="91440" bIns="45720" numCol="1" spcCol="0" rtlCol="0" fromWordArt="0" anchor="ctr" anchorCtr="0" forceAA="0" compatLnSpc="1">
+            <a:prstTxWarp prst="textNoShape">
+              <a:avLst/>
+            </a:prstTxWarp>
+            <a:noAutofit/>
+          </a:bodyPr>
+          <a:lstStyle/>
+          <a:p>
+            <a:endParaRPr lang="pt-BR" dirty="0"/>
+          </a:p>
+        </p:txBody>
+      </p:sp>
+      <p:sp>
+        <p:nvSpPr>
+          <p:cNvPr id="4" name="Retângulo 3">
+            <a:extLst>
+              <a:ext uri="{FF2B5EF4-FFF2-40B4-BE49-F238E27FC236}">
+                <a16:creationId xmlns:a16="http://schemas.microsoft.com/office/drawing/2014/main" id="{3CAE6E61-2CEA-42E9-9150-C033474E48C7}"/>
+              </a:ext>
+            </a:extLst>
+          </p:cNvPr>
+          <p:cNvSpPr/>
+          <p:nvPr/>
+        </p:nvSpPr>
+        <p:spPr>
+          <a:xfrm>
+            <a:off x="849452" y="474630"/>
+            <a:ext cx="3906711" cy="461665"/>
+          </a:xfrm>
+          <a:prstGeom prst="rect">
+            <a:avLst/>
+          </a:prstGeom>
+        </p:spPr>
+        <p:txBody>
+          <a:bodyPr wrap="none">
+            <a:spAutoFit/>
+          </a:bodyPr>
+          <a:lstStyle/>
+          <a:p>
+            <a:r>
+              <a:rPr lang="pt-BR" sz="2400" b="1" dirty="0">
+                <a:latin typeface="Times New Roman" panose="02020603050405020304" pitchFamily="18" charset="0"/>
+                <a:ea typeface="Calibri" panose="020F0502020204030204" pitchFamily="34" charset="0"/>
+              </a:rPr>
+              <a:t>Capacidade Ministrar Aulas</a:t>
+            </a:r>
+            <a:endParaRPr lang="pt-BR" sz="2400" dirty="0"/>
+          </a:p>
+        </p:txBody>
+      </p:sp>
+      <p:pic>
+        <p:nvPicPr>
+          <p:cNvPr id="9" name="Imagem 8" descr="Interface gráfica do usuário, Aplicativo&#10;&#10;Descrição gerada automaticamente">
+            <a:extLst>
+              <a:ext uri="{FF2B5EF4-FFF2-40B4-BE49-F238E27FC236}">
+                <a16:creationId xmlns:a16="http://schemas.microsoft.com/office/drawing/2014/main" id="{F87B2656-F0C0-4BF9-8CC2-3ED6D4998DB0}"/>
+              </a:ext>
+            </a:extLst>
+          </p:cNvPr>
+          <p:cNvPicPr>
+            <a:picLocks noChangeAspect="1"/>
+          </p:cNvPicPr>
+          <p:nvPr/>
+        </p:nvPicPr>
+        <p:blipFill>
+          <a:blip r:embed="rId2">
+            <a:extLst>
+              <a:ext uri="{28A0092B-C50C-407E-A947-70E740481C1C}">
+                <a14:useLocalDpi xmlns:a14="http://schemas.microsoft.com/office/drawing/2010/main" val="0"/>
+              </a:ext>
+            </a:extLst>
+          </a:blip>
+          <a:stretch>
+            <a:fillRect/>
+          </a:stretch>
+        </p:blipFill>
+        <p:spPr>
+          <a:xfrm>
+            <a:off x="708773" y="1146293"/>
+            <a:ext cx="9124545" cy="5645649"/>
+          </a:xfrm>
+          <a:prstGeom prst="rect">
+            <a:avLst/>
+          </a:prstGeom>
+        </p:spPr>
+      </p:pic>
+    </p:spTree>
+    <p:extLst>
+      <p:ext uri="{BB962C8B-B14F-4D97-AF65-F5344CB8AC3E}">
+        <p14:creationId xmlns:p14="http://schemas.microsoft.com/office/powerpoint/2010/main" val="1301910992"/>
       </p:ext>
     </p:extLst>
   </p:cSld>
